--- a/ppt/RTM講習会_3部.pptx
+++ b/ppt/RTM講習会_3部.pptx
@@ -427,66 +427,6 @@
           </a:p>
         </p:txBody>
       </p:sp>
-      <p:pic>
-        <p:nvPicPr>
-          <p:cNvPr id="3078" name="Picture 6" descr="j-yoko1">
-            <a:extLst>
-              <a:ext uri="{FF2B5EF4-FFF2-40B4-BE49-F238E27FC236}">
-                <a16:creationId xmlns:a16="http://schemas.microsoft.com/office/drawing/2014/main" id="{99F1B550-6FCD-4631-945F-858D014166A1}"/>
-              </a:ext>
-            </a:extLst>
-          </p:cNvPr>
-          <p:cNvPicPr>
-            <a:picLocks noChangeAspect="1" noChangeArrowheads="1"/>
-          </p:cNvPicPr>
-          <p:nvPr/>
-        </p:nvPicPr>
-        <p:blipFill>
-          <a:blip r:embed="rId2">
-            <a:extLst>
-              <a:ext uri="{28A0092B-C50C-407E-A947-70E740481C1C}">
-                <a14:useLocalDpi xmlns:a14="http://schemas.microsoft.com/office/drawing/2010/main" val="0"/>
-              </a:ext>
-            </a:extLst>
-          </a:blip>
-          <a:srcRect/>
-          <a:stretch>
-            <a:fillRect/>
-          </a:stretch>
-        </p:blipFill>
-        <p:spPr bwMode="auto">
-          <a:xfrm>
-            <a:off x="0" y="0"/>
-            <a:ext cx="2105025" cy="169863"/>
-          </a:xfrm>
-          <a:prstGeom prst="rect">
-            <a:avLst/>
-          </a:prstGeom>
-          <a:noFill/>
-          <a:ln>
-            <a:noFill/>
-          </a:ln>
-          <a:extLst>
-            <a:ext uri="{909E8E84-426E-40DD-AFC4-6F175D3DCCD1}">
-              <a14:hiddenFill xmlns:a14="http://schemas.microsoft.com/office/drawing/2010/main">
-                <a:solidFill>
-                  <a:srgbClr val="FFFFFF"/>
-                </a:solidFill>
-              </a14:hiddenFill>
-            </a:ext>
-            <a:ext uri="{91240B29-F687-4F45-9708-019B960494DF}">
-              <a14:hiddenLine xmlns:a14="http://schemas.microsoft.com/office/drawing/2010/main" w="9525">
-                <a:solidFill>
-                  <a:srgbClr val="000000"/>
-                </a:solidFill>
-                <a:miter lim="800000"/>
-                <a:headEnd/>
-                <a:tailEnd/>
-              </a14:hiddenLine>
-            </a:ext>
-          </a:extLst>
-        </p:spPr>
-      </p:pic>
     </p:spTree>
   </p:cSld>
   <p:clrMap bg1="lt1" tx1="dk1" bg2="lt2" tx2="dk2" accent1="accent1" accent2="accent2" accent3="accent3" accent4="accent4" accent5="accent5" accent6="accent6" hlink="hlink" folHlink="folHlink"/>
@@ -9262,7 +9202,7 @@
           <a:graphicData uri="http://schemas.openxmlformats.org/presentationml/2006/ole">
             <mc:AlternateContent xmlns:mc="http://schemas.openxmlformats.org/markup-compatibility/2006">
               <mc:Choice xmlns:v="urn:schemas-microsoft-com:vml" Requires="v">
-                <p:oleObj spid="_x0000_s1180" name="Corel DESIGNER" r:id="rId18" imgW="2743200" imgH="1536480" progId="Corel DESIGNER.Graphic.10">
+                <p:oleObj spid="_x0000_s1184" name="Corel DESIGNER" r:id="rId18" imgW="2743200" imgH="1536480" progId="Corel DESIGNER.Graphic.10">
                   <p:embed/>
                 </p:oleObj>
               </mc:Choice>

--- a/ppt/RTM講習会_3部.pptx
+++ b/ppt/RTM講習会_3部.pptx
@@ -9202,7 +9202,7 @@
           <a:graphicData uri="http://schemas.openxmlformats.org/presentationml/2006/ole">
             <mc:AlternateContent xmlns:mc="http://schemas.openxmlformats.org/markup-compatibility/2006">
               <mc:Choice xmlns:v="urn:schemas-microsoft-com:vml" Requires="v">
-                <p:oleObj spid="_x0000_s1184" name="Corel DESIGNER" r:id="rId18" imgW="2743200" imgH="1536480" progId="Corel DESIGNER.Graphic.10">
+                <p:oleObj spid="_x0000_s1185" name="Corel DESIGNER" r:id="rId18" imgW="2743200" imgH="1536480" progId="Corel DESIGNER.Graphic.10">
                   <p:embed/>
                 </p:oleObj>
               </mc:Choice>
@@ -12093,12 +12093,12 @@
               <a:t>アクセスポイントの</a:t>
             </a:r>
             <a:r>
-              <a:rPr lang="en-US" altLang="ja-JP" sz="2800" dirty="0" err="1">
+              <a:rPr lang="en-US" altLang="ja-JP" sz="2800">
                 <a:solidFill>
                   <a:srgbClr val="5F5F5F"/>
                 </a:solidFill>
               </a:rPr>
-              <a:t>Rasperry</a:t>
+              <a:t>Raspberry </a:t>
             </a:r>
             <a:r>
               <a:rPr lang="en-US" altLang="ja-JP" sz="2800" dirty="0">
@@ -12106,7 +12106,7 @@
                   <a:srgbClr val="5F5F5F"/>
                 </a:solidFill>
               </a:rPr>
-              <a:t> Pi</a:t>
+              <a:t>Pi</a:t>
             </a:r>
             <a:r>
               <a:rPr lang="ja-JP" altLang="en-US" sz="2800" dirty="0">
